--- a/clase9posTaking/vetoPositionTaking.pptx
+++ b/clase9posTaking/vetoPositionTaking.pptx
@@ -194,6 +194,7 @@
 <p1510:revInfo xmlns:a="http://schemas.openxmlformats.org/drawingml/2006/main" xmlns:r="http://schemas.openxmlformats.org/officeDocument/2006/relationships" xmlns:p1510="http://schemas.microsoft.com/office/powerpoint/2015/10/main">
   <p1510:revLst>
     <p1510:client id="{79D67865-AFF1-60C3-6595-736EB382A7D8}" v="146" dt="2020-05-06T22:20:40.264"/>
+    <p1510:client id="{9D35325E-E653-151E-5510-D0A316574368}" v="2" dt="2021-04-08T00:27:23.135"/>
   </p1510:revLst>
 </p1510:revInfo>
 </file>
@@ -395,7 +396,7 @@
               <a:pPr>
                 <a:defRPr/>
               </a:pPr>
-              <a:t>06/05/2020</a:t>
+              <a:t>07/04/2021</a:t>
             </a:fld>
             <a:endParaRPr lang="es-MX"/>
           </a:p>
@@ -605,7 +606,7 @@
               <a:pPr>
                 <a:defRPr/>
               </a:pPr>
-              <a:t>06/05/2020</a:t>
+              <a:t>07/04/2021</a:t>
             </a:fld>
             <a:endParaRPr lang="es-MX"/>
           </a:p>
@@ -825,7 +826,7 @@
               <a:pPr>
                 <a:defRPr/>
               </a:pPr>
-              <a:t>06/05/2020</a:t>
+              <a:t>07/04/2021</a:t>
             </a:fld>
             <a:endParaRPr lang="es-MX"/>
           </a:p>
@@ -1035,7 +1036,7 @@
               <a:pPr>
                 <a:defRPr/>
               </a:pPr>
-              <a:t>06/05/2020</a:t>
+              <a:t>07/04/2021</a:t>
             </a:fld>
             <a:endParaRPr lang="es-MX"/>
           </a:p>
@@ -1321,7 +1322,7 @@
               <a:pPr>
                 <a:defRPr/>
               </a:pPr>
-              <a:t>06/05/2020</a:t>
+              <a:t>07/04/2021</a:t>
             </a:fld>
             <a:endParaRPr lang="es-MX"/>
           </a:p>
@@ -1649,7 +1650,7 @@
               <a:pPr>
                 <a:defRPr/>
               </a:pPr>
-              <a:t>06/05/2020</a:t>
+              <a:t>07/04/2021</a:t>
             </a:fld>
             <a:endParaRPr lang="es-MX"/>
           </a:p>
@@ -2111,7 +2112,7 @@
               <a:pPr>
                 <a:defRPr/>
               </a:pPr>
-              <a:t>06/05/2020</a:t>
+              <a:t>07/04/2021</a:t>
             </a:fld>
             <a:endParaRPr lang="es-MX"/>
           </a:p>
@@ -2269,7 +2270,7 @@
               <a:pPr>
                 <a:defRPr/>
               </a:pPr>
-              <a:t>06/05/2020</a:t>
+              <a:t>07/04/2021</a:t>
             </a:fld>
             <a:endParaRPr lang="es-MX"/>
           </a:p>
@@ -2404,7 +2405,7 @@
               <a:pPr>
                 <a:defRPr/>
               </a:pPr>
-              <a:t>06/05/2020</a:t>
+              <a:t>07/04/2021</a:t>
             </a:fld>
             <a:endParaRPr lang="es-MX"/>
           </a:p>
@@ -2721,7 +2722,7 @@
               <a:pPr>
                 <a:defRPr/>
               </a:pPr>
-              <a:t>06/05/2020</a:t>
+              <a:t>07/04/2021</a:t>
             </a:fld>
             <a:endParaRPr lang="es-MX"/>
           </a:p>
@@ -3017,7 +3018,7 @@
               <a:pPr>
                 <a:defRPr/>
               </a:pPr>
-              <a:t>06/05/2020</a:t>
+              <a:t>07/04/2021</a:t>
             </a:fld>
             <a:endParaRPr lang="es-MX"/>
           </a:p>
@@ -3339,7 +3340,7 @@
               <a:pPr>
                 <a:defRPr/>
               </a:pPr>
-              <a:t>06/05/2020</a:t>
+              <a:t>07/04/2021</a:t>
             </a:fld>
             <a:endParaRPr lang="es-MX"/>
           </a:p>
@@ -8983,6 +8984,36 @@
           </a:p>
         </p:txBody>
       </p:sp>
+      <p:pic>
+        <p:nvPicPr>
+          <p:cNvPr id="2" name="Imagen 2">
+            <a:extLst>
+              <a:ext uri="{FF2B5EF4-FFF2-40B4-BE49-F238E27FC236}">
+                <a16:creationId xmlns:a16="http://schemas.microsoft.com/office/drawing/2014/main" id="{3B0468CD-2234-41CE-84FE-24B741E389A0}"/>
+              </a:ext>
+            </a:extLst>
+          </p:cNvPr>
+          <p:cNvPicPr>
+            <a:picLocks noChangeAspect="1"/>
+          </p:cNvPicPr>
+          <p:nvPr/>
+        </p:nvPicPr>
+        <p:blipFill>
+          <a:blip r:embed="rId2"/>
+          <a:stretch>
+            <a:fillRect/>
+          </a:stretch>
+        </p:blipFill>
+        <p:spPr>
+          <a:xfrm>
+            <a:off x="6219645" y="3872718"/>
+            <a:ext cx="2743200" cy="2793167"/>
+          </a:xfrm>
+          <a:prstGeom prst="rect">
+            <a:avLst/>
+          </a:prstGeom>
+        </p:spPr>
+      </p:pic>
     </p:spTree>
   </p:cSld>
   <p:clrMapOvr>
